--- a/VGSalesPresentation.pptx
+++ b/VGSalesPresentation.pptx
@@ -163,14 +163,6 @@
     </p:ext>
   </p:extLst>
 </p:presentation>
-</file>
-
-<file path=ppt/revisionInfo.xml><?xml version="1.0" encoding="utf-8"?>
-<p1510:revInfo xmlns:a="http://schemas.openxmlformats.org/drawingml/2006/main" xmlns:r="http://schemas.openxmlformats.org/officeDocument/2006/relationships" xmlns:p1510="http://schemas.microsoft.com/office/powerpoint/2015/10/main">
-  <p1510:revLst>
-    <p1510:client id="{DFEB250C-A396-4403-A98D-C59A1F7AB427}" v="73" dt="2021-06-06T15:52:03.403"/>
-  </p1510:revLst>
-</p1510:revInfo>
 </file>
 
 <file path=ppt/changesInfos/changesInfo1.xml><?xml version="1.0" encoding="utf-8"?>
@@ -654,6 +646,45 @@
       </pc:sldChg>
     </pc:docChg>
   </pc:docChgLst>
+  <pc:docChgLst>
+    <pc:chgData name="Francesco Abate" userId="debce27f0f8eaad4" providerId="LiveId" clId="{528E6D26-478A-4BA9-B83C-935D0ABEE493}"/>
+    <pc:docChg chg="modSld">
+      <pc:chgData name="Francesco Abate" userId="debce27f0f8eaad4" providerId="LiveId" clId="{528E6D26-478A-4BA9-B83C-935D0ABEE493}" dt="2021-06-23T07:42:06.270" v="12" actId="20577"/>
+      <pc:docMkLst>
+        <pc:docMk/>
+      </pc:docMkLst>
+      <pc:sldChg chg="modSp mod">
+        <pc:chgData name="Francesco Abate" userId="debce27f0f8eaad4" providerId="LiveId" clId="{528E6D26-478A-4BA9-B83C-935D0ABEE493}" dt="2021-06-23T07:42:06.270" v="12" actId="20577"/>
+        <pc:sldMkLst>
+          <pc:docMk/>
+          <pc:sldMk cId="3696770303" sldId="315"/>
+        </pc:sldMkLst>
+        <pc:spChg chg="mod">
+          <ac:chgData name="Francesco Abate" userId="debce27f0f8eaad4" providerId="LiveId" clId="{528E6D26-478A-4BA9-B83C-935D0ABEE493}" dt="2021-06-23T07:42:06.270" v="12" actId="20577"/>
+          <ac:spMkLst>
+            <pc:docMk/>
+            <pc:sldMk cId="3696770303" sldId="315"/>
+            <ac:spMk id="8" creationId="{6F03AADD-A4FE-4CE8-944C-3F9C9777F0AB}"/>
+          </ac:spMkLst>
+        </pc:spChg>
+      </pc:sldChg>
+      <pc:sldChg chg="modSp mod">
+        <pc:chgData name="Francesco Abate" userId="debce27f0f8eaad4" providerId="LiveId" clId="{528E6D26-478A-4BA9-B83C-935D0ABEE493}" dt="2021-06-23T07:36:52.332" v="1" actId="20577"/>
+        <pc:sldMkLst>
+          <pc:docMk/>
+          <pc:sldMk cId="413116130" sldId="335"/>
+        </pc:sldMkLst>
+        <pc:spChg chg="mod">
+          <ac:chgData name="Francesco Abate" userId="debce27f0f8eaad4" providerId="LiveId" clId="{528E6D26-478A-4BA9-B83C-935D0ABEE493}" dt="2021-06-23T07:36:52.332" v="1" actId="20577"/>
+          <ac:spMkLst>
+            <pc:docMk/>
+            <pc:sldMk cId="413116130" sldId="335"/>
+            <ac:spMk id="5" creationId="{91EF53E3-F88C-4203-A489-8C9D57513DF6}"/>
+          </ac:spMkLst>
+        </pc:spChg>
+      </pc:sldChg>
+    </pc:docChg>
+  </pc:docChgLst>
 </pc:chgInfo>
 </file>
 
@@ -751,7 +782,7 @@
           <a:p>
             <a:fld id="{EF1077DB-935E-4A0A-947A-D283B9F9F452}" type="datetimeFigureOut">
               <a:rPr lang="en-US" smtClean="0"/>
-              <a:t>6/6/2021</a:t>
+              <a:t>6/23/2021</a:t>
             </a:fld>
             <a:endParaRPr lang="en-US" dirty="0"/>
           </a:p>
@@ -829,7 +860,7 @@
           <a:p>
             <a:fld id="{682C0B10-7CAE-41E4-AB02-7E8B1FF2B898}" type="slidenum">
               <a:rPr lang="en-US" smtClean="0"/>
-              <a:t>‹#›</a:t>
+              <a:t>‹N›</a:t>
             </a:fld>
             <a:endParaRPr lang="en-US" dirty="0"/>
           </a:p>
@@ -928,7 +959,7 @@
           <a:p>
             <a:fld id="{2D9EC30E-1A71-4188-9BE7-E2A64929A436}" type="datetimeFigureOut">
               <a:rPr lang="en-US" noProof="0" smtClean="0"/>
-              <a:t>6/6/2021</a:t>
+              <a:t>6/23/2021</a:t>
             </a:fld>
             <a:endParaRPr lang="en-US" noProof="0" dirty="0"/>
           </a:p>
@@ -1086,7 +1117,7 @@
           <a:p>
             <a:fld id="{8530193B-564F-4854-8A52-728F3FB19C85}" type="slidenum">
               <a:rPr lang="en-US" noProof="0" smtClean="0"/>
-              <a:t>‹#›</a:t>
+              <a:t>‹N›</a:t>
             </a:fld>
             <a:endParaRPr lang="en-US" noProof="0" dirty="0"/>
           </a:p>
@@ -8163,7 +8194,7 @@
                 </a:solidFill>
               </a:rPr>
               <a:pPr/>
-              <a:t>6/6/2021</a:t>
+              <a:t>6/23/2021</a:t>
             </a:fld>
             <a:endParaRPr lang="en-US" sz="1100" dirty="0">
               <a:solidFill>
@@ -8435,7 +8466,7 @@
                 </a:solidFill>
               </a:rPr>
               <a:pPr algn="r"/>
-              <a:t>‹#›</a:t>
+              <a:t>‹N›</a:t>
             </a:fld>
             <a:endParaRPr lang="en-US" sz="1100" dirty="0">
               <a:solidFill>
@@ -11657,7 +11688,7 @@
             </a:pPr>
             <a:r>
               <a:rPr lang="it-IT" dirty="0"/>
-              <a:t>Oltre alle semplici queries, sarà possible  le aggregazioni.</a:t>
+              <a:t>Oltre alle semplici queries, sarà possibile eseguire le aggregazioni.</a:t>
             </a:r>
           </a:p>
         </p:txBody>
@@ -13763,24 +13794,6 @@
 </file>
 
 <file path=customXml/item1.xml><?xml version="1.0" encoding="utf-8"?>
-<?mso-contentType ?>
-<FormTemplates xmlns="http://schemas.microsoft.com/sharepoint/v3/contenttype/forms">
-  <Display>DocumentLibraryForm</Display>
-  <Edit>DocumentLibraryForm</Edit>
-  <New>DocumentLibraryForm</New>
-</FormTemplates>
-</file>
-
-<file path=customXml/item2.xml><?xml version="1.0" encoding="utf-8"?>
-<p:properties xmlns:p="http://schemas.microsoft.com/office/2006/metadata/properties" xmlns:xsi="http://www.w3.org/2001/XMLSchema-instance" xmlns:pc="http://schemas.microsoft.com/office/infopath/2007/PartnerControls">
-  <documentManagement>
-    <Status xmlns="71af3243-3dd4-4a8d-8c0d-dd76da1f02a5">Not started</Status>
-    <MediaServiceKeyPoints xmlns="71af3243-3dd4-4a8d-8c0d-dd76da1f02a5" xsi:nil="true"/>
-  </documentManagement>
-</p:properties>
-</file>
-
-<file path=customXml/item3.xml><?xml version="1.0" encoding="utf-8"?>
 <ct:contentTypeSchema xmlns:ct="http://schemas.microsoft.com/office/2006/metadata/contentType" xmlns:ma="http://schemas.microsoft.com/office/2006/metadata/properties/metaAttributes" ct:_="" ma:_="" ma:contentTypeName="Document" ma:contentTypeID="0x01010079F111ED35F8CC479449609E8A0923A6" ma:contentTypeVersion="12" ma:contentTypeDescription="Create a new document." ma:contentTypeScope="" ma:versionID="426e97fa315356fffbdcd9876fe988c2">
   <xsd:schema xmlns:xsd="http://www.w3.org/2001/XMLSchema" xmlns:xs="http://www.w3.org/2001/XMLSchema" xmlns:p="http://schemas.microsoft.com/office/2006/metadata/properties" xmlns:ns2="71af3243-3dd4-4a8d-8c0d-dd76da1f02a5" xmlns:ns3="16c05727-aa75-4e4a-9b5f-8a80a1165891" targetNamespace="http://schemas.microsoft.com/office/2006/metadata/properties" ma:root="true" ma:fieldsID="14b8f0def80e6d70ce3def20c90759ae" ns2:_="" ns3:_="">
     <xsd:import namespace="71af3243-3dd4-4a8d-8c0d-dd76da1f02a5"/>
@@ -14001,25 +14014,25 @@
 </ct:contentTypeSchema>
 </file>
 
-<file path=customXml/itemProps1.xml><?xml version="1.0" encoding="utf-8"?>
-<ds:datastoreItem xmlns:ds="http://schemas.openxmlformats.org/officeDocument/2006/customXml" ds:itemID="{05D99ABA-76CE-4A8E-B5F0-C051B96628DE}">
-  <ds:schemaRefs>
-    <ds:schemaRef ds:uri="http://schemas.microsoft.com/sharepoint/v3/contenttype/forms"/>
-  </ds:schemaRefs>
-</ds:datastoreItem>
+<file path=customXml/item2.xml><?xml version="1.0" encoding="utf-8"?>
+<p:properties xmlns:p="http://schemas.microsoft.com/office/2006/metadata/properties" xmlns:xsi="http://www.w3.org/2001/XMLSchema-instance" xmlns:pc="http://schemas.microsoft.com/office/infopath/2007/PartnerControls">
+  <documentManagement>
+    <Status xmlns="71af3243-3dd4-4a8d-8c0d-dd76da1f02a5">Not started</Status>
+    <MediaServiceKeyPoints xmlns="71af3243-3dd4-4a8d-8c0d-dd76da1f02a5" xsi:nil="true"/>
+  </documentManagement>
+</p:properties>
 </file>
 
-<file path=customXml/itemProps2.xml><?xml version="1.0" encoding="utf-8"?>
-<ds:datastoreItem xmlns:ds="http://schemas.openxmlformats.org/officeDocument/2006/customXml" ds:itemID="{4DEA9014-ED64-4558-B1E1-D03F0EE32BEB}">
-  <ds:schemaRefs>
-    <ds:schemaRef ds:uri="http://schemas.microsoft.com/office/2006/metadata/properties"/>
-    <ds:schemaRef ds:uri="http://schemas.microsoft.com/office/infopath/2007/PartnerControls"/>
-    <ds:schemaRef ds:uri="71af3243-3dd4-4a8d-8c0d-dd76da1f02a5"/>
-  </ds:schemaRefs>
-</ds:datastoreItem>
+<file path=customXml/item3.xml><?xml version="1.0" encoding="utf-8"?>
+<?mso-contentType ?>
+<FormTemplates xmlns="http://schemas.microsoft.com/sharepoint/v3/contenttype/forms">
+  <Display>DocumentLibraryForm</Display>
+  <Edit>DocumentLibraryForm</Edit>
+  <New>DocumentLibraryForm</New>
+</FormTemplates>
 </file>
 
-<file path=customXml/itemProps3.xml><?xml version="1.0" encoding="utf-8"?>
+<file path=customXml/itemProps1.xml><?xml version="1.0" encoding="utf-8"?>
 <ds:datastoreItem xmlns:ds="http://schemas.openxmlformats.org/officeDocument/2006/customXml" ds:itemID="{B19EB750-A6DA-4BE8-B87B-FC499FE73360}">
   <ds:schemaRefs>
     <ds:schemaRef ds:uri="http://schemas.microsoft.com/office/2006/metadata/contentType"/>
@@ -14036,4 +14049,22 @@
     <ds:schemaRef ds:uri="http://schemas.microsoft.com/internal/obd"/>
   </ds:schemaRefs>
 </ds:datastoreItem>
+</file>
+
+<file path=customXml/itemProps2.xml><?xml version="1.0" encoding="utf-8"?>
+<ds:datastoreItem xmlns:ds="http://schemas.openxmlformats.org/officeDocument/2006/customXml" ds:itemID="{4DEA9014-ED64-4558-B1E1-D03F0EE32BEB}">
+  <ds:schemaRefs>
+    <ds:schemaRef ds:uri="http://schemas.microsoft.com/office/2006/metadata/properties"/>
+    <ds:schemaRef ds:uri="http://schemas.microsoft.com/office/infopath/2007/PartnerControls"/>
+    <ds:schemaRef ds:uri="71af3243-3dd4-4a8d-8c0d-dd76da1f02a5"/>
+  </ds:schemaRefs>
+</ds:datastoreItem>
+</file>
+
+<file path=customXml/itemProps3.xml><?xml version="1.0" encoding="utf-8"?>
+<ds:datastoreItem xmlns:ds="http://schemas.openxmlformats.org/officeDocument/2006/customXml" ds:itemID="{05D99ABA-76CE-4A8E-B5F0-C051B96628DE}">
+  <ds:schemaRefs>
+    <ds:schemaRef ds:uri="http://schemas.microsoft.com/sharepoint/v3/contenttype/forms"/>
+  </ds:schemaRefs>
+</ds:datastoreItem>
 </file>
--- a/VGSalesPresentation.pptx
+++ b/VGSalesPresentation.pptx
@@ -9380,8 +9380,8 @@
         </p:blipFill>
         <p:spPr>
           <a:xfrm>
-            <a:off x="1943914" y="2205755"/>
-            <a:ext cx="3391485" cy="2446490"/>
+            <a:off x="660399" y="1636210"/>
+            <a:ext cx="3390603" cy="2445853"/>
           </a:xfrm>
           <a:prstGeom prst="rect">
             <a:avLst/>
@@ -9390,10 +9390,10 @@
       </p:pic>
       <p:pic>
         <p:nvPicPr>
-          <p:cNvPr id="13" name="Picture 12">
-            <a:extLst>
-              <a:ext uri="{FF2B5EF4-FFF2-40B4-BE49-F238E27FC236}">
-                <a16:creationId xmlns:a16="http://schemas.microsoft.com/office/drawing/2014/main" id="{44A4A6F9-E347-4EED-AE8B-020A0D3E12BC}"/>
+          <p:cNvPr id="6" name="Immagine 5">
+            <a:extLst>
+              <a:ext uri="{FF2B5EF4-FFF2-40B4-BE49-F238E27FC236}">
+                <a16:creationId xmlns:a16="http://schemas.microsoft.com/office/drawing/2014/main" id="{CF3A49F4-ABAF-41D0-B50B-A4407B509A0B}"/>
               </a:ext>
             </a:extLst>
           </p:cNvPr>
@@ -9410,14 +9410,289 @@
         </p:blipFill>
         <p:spPr>
           <a:xfrm>
-            <a:off x="6287902" y="2483853"/>
-            <a:ext cx="3438019" cy="2446490"/>
+            <a:off x="3806460" y="2372301"/>
+            <a:ext cx="7967757" cy="3509825"/>
           </a:xfrm>
           <a:prstGeom prst="rect">
             <a:avLst/>
           </a:prstGeom>
         </p:spPr>
       </p:pic>
+      <p:cxnSp>
+        <p:nvCxnSpPr>
+          <p:cNvPr id="9" name="Connettore diritto 8">
+            <a:extLst>
+              <a:ext uri="{FF2B5EF4-FFF2-40B4-BE49-F238E27FC236}">
+                <a16:creationId xmlns:a16="http://schemas.microsoft.com/office/drawing/2014/main" id="{AC65A8A4-DD29-4947-BE29-FC805F0C2E8A}"/>
+              </a:ext>
+            </a:extLst>
+          </p:cNvPr>
+          <p:cNvCxnSpPr>
+            <a:cxnSpLocks/>
+          </p:cNvCxnSpPr>
+          <p:nvPr/>
+        </p:nvCxnSpPr>
+        <p:spPr>
+          <a:xfrm>
+            <a:off x="3806460" y="4997302"/>
+            <a:ext cx="8066778" cy="0"/>
+          </a:xfrm>
+          <a:prstGeom prst="line">
+            <a:avLst/>
+          </a:prstGeom>
+          <a:ln>
+            <a:solidFill>
+              <a:srgbClr val="FF0000"/>
+            </a:solidFill>
+          </a:ln>
+        </p:spPr>
+        <p:style>
+          <a:lnRef idx="3">
+            <a:schemeClr val="accent4"/>
+          </a:lnRef>
+          <a:fillRef idx="0">
+            <a:schemeClr val="accent4"/>
+          </a:fillRef>
+          <a:effectRef idx="2">
+            <a:schemeClr val="accent4"/>
+          </a:effectRef>
+          <a:fontRef idx="minor">
+            <a:schemeClr val="tx1"/>
+          </a:fontRef>
+        </p:style>
+      </p:cxnSp>
+      <p:cxnSp>
+        <p:nvCxnSpPr>
+          <p:cNvPr id="14" name="Connettore diritto 13">
+            <a:extLst>
+              <a:ext uri="{FF2B5EF4-FFF2-40B4-BE49-F238E27FC236}">
+                <a16:creationId xmlns:a16="http://schemas.microsoft.com/office/drawing/2014/main" id="{352D26B2-262A-4904-8F44-2D9B6B107FD0}"/>
+              </a:ext>
+            </a:extLst>
+          </p:cNvPr>
+          <p:cNvCxnSpPr>
+            <a:cxnSpLocks/>
+          </p:cNvCxnSpPr>
+          <p:nvPr/>
+        </p:nvCxnSpPr>
+        <p:spPr>
+          <a:xfrm>
+            <a:off x="3806460" y="5882126"/>
+            <a:ext cx="8066778" cy="1"/>
+          </a:xfrm>
+          <a:prstGeom prst="line">
+            <a:avLst/>
+          </a:prstGeom>
+          <a:ln>
+            <a:solidFill>
+              <a:srgbClr val="FF0000"/>
+            </a:solidFill>
+          </a:ln>
+        </p:spPr>
+        <p:style>
+          <a:lnRef idx="3">
+            <a:schemeClr val="accent4"/>
+          </a:lnRef>
+          <a:fillRef idx="0">
+            <a:schemeClr val="accent4"/>
+          </a:fillRef>
+          <a:effectRef idx="2">
+            <a:schemeClr val="accent4"/>
+          </a:effectRef>
+          <a:fontRef idx="minor">
+            <a:schemeClr val="tx1"/>
+          </a:fontRef>
+        </p:style>
+      </p:cxnSp>
+      <p:cxnSp>
+        <p:nvCxnSpPr>
+          <p:cNvPr id="15" name="Connettore diritto 14">
+            <a:extLst>
+              <a:ext uri="{FF2B5EF4-FFF2-40B4-BE49-F238E27FC236}">
+                <a16:creationId xmlns:a16="http://schemas.microsoft.com/office/drawing/2014/main" id="{E66C3857-425E-4DD0-8AF5-D8D04CDD003A}"/>
+              </a:ext>
+            </a:extLst>
+          </p:cNvPr>
+          <p:cNvCxnSpPr>
+            <a:cxnSpLocks/>
+          </p:cNvCxnSpPr>
+          <p:nvPr/>
+        </p:nvCxnSpPr>
+        <p:spPr>
+          <a:xfrm>
+            <a:off x="3806460" y="4997301"/>
+            <a:ext cx="0" cy="884825"/>
+          </a:xfrm>
+          <a:prstGeom prst="line">
+            <a:avLst/>
+          </a:prstGeom>
+          <a:ln>
+            <a:solidFill>
+              <a:srgbClr val="FF0000"/>
+            </a:solidFill>
+          </a:ln>
+        </p:spPr>
+        <p:style>
+          <a:lnRef idx="3">
+            <a:schemeClr val="accent4"/>
+          </a:lnRef>
+          <a:fillRef idx="0">
+            <a:schemeClr val="accent4"/>
+          </a:fillRef>
+          <a:effectRef idx="2">
+            <a:schemeClr val="accent4"/>
+          </a:effectRef>
+          <a:fontRef idx="minor">
+            <a:schemeClr val="tx1"/>
+          </a:fontRef>
+        </p:style>
+      </p:cxnSp>
+      <p:cxnSp>
+        <p:nvCxnSpPr>
+          <p:cNvPr id="17" name="Connettore diritto 16">
+            <a:extLst>
+              <a:ext uri="{FF2B5EF4-FFF2-40B4-BE49-F238E27FC236}">
+                <a16:creationId xmlns:a16="http://schemas.microsoft.com/office/drawing/2014/main" id="{9896EE30-4307-4230-B905-3E8729D2AC21}"/>
+              </a:ext>
+            </a:extLst>
+          </p:cNvPr>
+          <p:cNvCxnSpPr>
+            <a:cxnSpLocks/>
+          </p:cNvCxnSpPr>
+          <p:nvPr/>
+        </p:nvCxnSpPr>
+        <p:spPr>
+          <a:xfrm>
+            <a:off x="11873238" y="4997301"/>
+            <a:ext cx="0" cy="884825"/>
+          </a:xfrm>
+          <a:prstGeom prst="line">
+            <a:avLst/>
+          </a:prstGeom>
+          <a:ln>
+            <a:solidFill>
+              <a:srgbClr val="FF0000"/>
+            </a:solidFill>
+          </a:ln>
+        </p:spPr>
+        <p:style>
+          <a:lnRef idx="3">
+            <a:schemeClr val="accent4"/>
+          </a:lnRef>
+          <a:fillRef idx="0">
+            <a:schemeClr val="accent4"/>
+          </a:fillRef>
+          <a:effectRef idx="2">
+            <a:schemeClr val="accent4"/>
+          </a:effectRef>
+          <a:fontRef idx="minor">
+            <a:schemeClr val="tx1"/>
+          </a:fontRef>
+        </p:style>
+      </p:cxnSp>
+      <p:cxnSp>
+        <p:nvCxnSpPr>
+          <p:cNvPr id="19" name="Connettore 2 18">
+            <a:extLst>
+              <a:ext uri="{FF2B5EF4-FFF2-40B4-BE49-F238E27FC236}">
+                <a16:creationId xmlns:a16="http://schemas.microsoft.com/office/drawing/2014/main" id="{279A1404-CA64-451B-AEF1-9C70B3230246}"/>
+              </a:ext>
+            </a:extLst>
+          </p:cNvPr>
+          <p:cNvCxnSpPr/>
+          <p:nvPr/>
+        </p:nvCxnSpPr>
+        <p:spPr>
+          <a:xfrm>
+            <a:off x="2686919" y="5401341"/>
+            <a:ext cx="999461" cy="0"/>
+          </a:xfrm>
+          <a:prstGeom prst="straightConnector1">
+            <a:avLst/>
+          </a:prstGeom>
+          <a:ln>
+            <a:solidFill>
+              <a:srgbClr val="FF0000"/>
+            </a:solidFill>
+            <a:tailEnd type="triangle"/>
+          </a:ln>
+        </p:spPr>
+        <p:style>
+          <a:lnRef idx="3">
+            <a:schemeClr val="dk1"/>
+          </a:lnRef>
+          <a:fillRef idx="0">
+            <a:schemeClr val="dk1"/>
+          </a:fillRef>
+          <a:effectRef idx="2">
+            <a:schemeClr val="dk1"/>
+          </a:effectRef>
+          <a:fontRef idx="minor">
+            <a:schemeClr val="tx1"/>
+          </a:fontRef>
+        </p:style>
+      </p:cxnSp>
+      <p:sp>
+        <p:nvSpPr>
+          <p:cNvPr id="20" name="Rettangolo 19">
+            <a:extLst>
+              <a:ext uri="{FF2B5EF4-FFF2-40B4-BE49-F238E27FC236}">
+                <a16:creationId xmlns:a16="http://schemas.microsoft.com/office/drawing/2014/main" id="{1C063877-E2E8-46E3-9411-99AD42FDB98B}"/>
+              </a:ext>
+            </a:extLst>
+          </p:cNvPr>
+          <p:cNvSpPr/>
+          <p:nvPr/>
+        </p:nvSpPr>
+        <p:spPr>
+          <a:xfrm>
+            <a:off x="1807537" y="5135529"/>
+            <a:ext cx="999461" cy="552888"/>
+          </a:xfrm>
+          <a:prstGeom prst="rect">
+            <a:avLst/>
+          </a:prstGeom>
+          <a:ln>
+            <a:solidFill>
+              <a:schemeClr val="bg1"/>
+            </a:solidFill>
+          </a:ln>
+        </p:spPr>
+        <p:style>
+          <a:lnRef idx="2">
+            <a:schemeClr val="dk1"/>
+          </a:lnRef>
+          <a:fillRef idx="1">
+            <a:schemeClr val="lt1"/>
+          </a:fillRef>
+          <a:effectRef idx="0">
+            <a:schemeClr val="dk1"/>
+          </a:effectRef>
+          <a:fontRef idx="minor">
+            <a:schemeClr val="dk1"/>
+          </a:fontRef>
+        </p:style>
+        <p:txBody>
+          <a:bodyPr rtlCol="0" anchor="ctr"/>
+          <a:lstStyle/>
+          <a:p>
+            <a:pPr algn="ctr"/>
+            <a:r>
+              <a:rPr lang="it-IT" sz="2000" b="1" dirty="0">
+                <a:solidFill>
+                  <a:srgbClr val="FF0000"/>
+                </a:solidFill>
+              </a:rPr>
+              <a:t>INDICE</a:t>
+            </a:r>
+            <a:endParaRPr lang="it-IT" b="1" dirty="0">
+              <a:solidFill>
+                <a:srgbClr val="FF0000"/>
+              </a:solidFill>
+            </a:endParaRPr>
+          </a:p>
+        </p:txBody>
+      </p:sp>
     </p:spTree>
     <p:extLst>
       <p:ext uri="{BB962C8B-B14F-4D97-AF65-F5344CB8AC3E}">
@@ -9477,51 +9752,6 @@
           </a:p>
         </p:txBody>
       </p:sp>
-      <p:sp>
-        <p:nvSpPr>
-          <p:cNvPr id="8" name="Text Placeholder 7">
-            <a:extLst>
-              <a:ext uri="{FF2B5EF4-FFF2-40B4-BE49-F238E27FC236}">
-                <a16:creationId xmlns:a16="http://schemas.microsoft.com/office/drawing/2014/main" id="{6F03AADD-A4FE-4CE8-944C-3F9C9777F0AB}"/>
-              </a:ext>
-            </a:extLst>
-          </p:cNvPr>
-          <p:cNvSpPr>
-            <a:spLocks noGrp="1"/>
-          </p:cNvSpPr>
-          <p:nvPr>
-            <p:ph type="body" sz="quarter" idx="12"/>
-          </p:nvPr>
-        </p:nvSpPr>
-        <p:spPr>
-          <a:xfrm>
-            <a:off x="660400" y="1862356"/>
-            <a:ext cx="4275138" cy="4190431"/>
-          </a:xfrm>
-        </p:spPr>
-        <p:txBody>
-          <a:bodyPr/>
-          <a:lstStyle/>
-          <a:p>
-            <a:pPr marL="0" indent="0">
-              <a:buNone/>
-            </a:pPr>
-            <a:r>
-              <a:rPr lang="it-IT" dirty="0"/>
-              <a:t>Al fine di adattare il dataset a MongoDB, tutti i dati pre-esistenti del database sono stati analizzati ed eventualmente modificati tramite un apposito script realizzato in Python, siccome rendeva molto più semplice la gestione «primitiva» del json ottenuto dal database.</a:t>
-            </a:r>
-          </a:p>
-          <a:p>
-            <a:pPr marL="0" indent="0">
-              <a:buNone/>
-            </a:pPr>
-            <a:r>
-              <a:rPr lang="it-IT" dirty="0"/>
-              <a:t>Ovviamente, lo script contatta il database in remoto e lo aggiorna in tempo reale, rimuovendo eventuali dati nulli. I dati nulli vengono rimossi al fine di rispettare la struttura dinamica dei database NoSQL.</a:t>
-            </a:r>
-          </a:p>
-        </p:txBody>
-      </p:sp>
       <p:pic>
         <p:nvPicPr>
           <p:cNvPr id="6" name="Picture Placeholder 3">
@@ -9545,9 +9775,56 @@
         </p:blipFill>
         <p:spPr>
           <a:xfrm>
-            <a:off x="7090227" y="786181"/>
+            <a:off x="7090228" y="805213"/>
             <a:ext cx="4441372" cy="5393036"/>
           </a:xfrm>
+        </p:spPr>
+      </p:pic>
+      <p:pic>
+        <p:nvPicPr>
+          <p:cNvPr id="1026" name="Picture 2">
+            <a:extLst>
+              <a:ext uri="{FF2B5EF4-FFF2-40B4-BE49-F238E27FC236}">
+                <a16:creationId xmlns:a16="http://schemas.microsoft.com/office/drawing/2014/main" id="{D64A3FC9-800F-4A6C-A7F9-CBF85176ED75}"/>
+              </a:ext>
+            </a:extLst>
+          </p:cNvPr>
+          <p:cNvPicPr>
+            <a:picLocks noChangeAspect="1" noChangeArrowheads="1"/>
+          </p:cNvPicPr>
+          <p:nvPr/>
+        </p:nvPicPr>
+        <p:blipFill>
+          <a:blip r:embed="rId3">
+            <a:extLst>
+              <a:ext uri="{28A0092B-C50C-407E-A947-70E740481C1C}">
+                <a14:useLocalDpi xmlns:a14="http://schemas.microsoft.com/office/drawing/2010/main" val="0"/>
+              </a:ext>
+            </a:extLst>
+          </a:blip>
+          <a:srcRect/>
+          <a:stretch>
+            <a:fillRect/>
+          </a:stretch>
+        </p:blipFill>
+        <p:spPr bwMode="auto">
+          <a:xfrm>
+            <a:off x="1916775" y="2164305"/>
+            <a:ext cx="2529390" cy="2529390"/>
+          </a:xfrm>
+          <a:prstGeom prst="rect">
+            <a:avLst/>
+          </a:prstGeom>
+          <a:noFill/>
+          <a:extLst>
+            <a:ext uri="{909E8E84-426E-40DD-AFC4-6F175D3DCCD1}">
+              <a14:hiddenFill xmlns:a14="http://schemas.microsoft.com/office/drawing/2010/main">
+                <a:solidFill>
+                  <a:srgbClr val="FFFFFF"/>
+                </a:solidFill>
+              </a14:hiddenFill>
+            </a:ext>
+          </a:extLst>
         </p:spPr>
       </p:pic>
     </p:spTree>
@@ -13794,6 +14071,15 @@
 </file>
 
 <file path=customXml/item1.xml><?xml version="1.0" encoding="utf-8"?>
+<p:properties xmlns:p="http://schemas.microsoft.com/office/2006/metadata/properties" xmlns:xsi="http://www.w3.org/2001/XMLSchema-instance" xmlns:pc="http://schemas.microsoft.com/office/infopath/2007/PartnerControls">
+  <documentManagement>
+    <Status xmlns="71af3243-3dd4-4a8d-8c0d-dd76da1f02a5">Not started</Status>
+    <MediaServiceKeyPoints xmlns="71af3243-3dd4-4a8d-8c0d-dd76da1f02a5" xsi:nil="true"/>
+  </documentManagement>
+</p:properties>
+</file>
+
+<file path=customXml/item2.xml><?xml version="1.0" encoding="utf-8"?>
 <ct:contentTypeSchema xmlns:ct="http://schemas.microsoft.com/office/2006/metadata/contentType" xmlns:ma="http://schemas.microsoft.com/office/2006/metadata/properties/metaAttributes" ct:_="" ma:_="" ma:contentTypeName="Document" ma:contentTypeID="0x01010079F111ED35F8CC479449609E8A0923A6" ma:contentTypeVersion="12" ma:contentTypeDescription="Create a new document." ma:contentTypeScope="" ma:versionID="426e97fa315356fffbdcd9876fe988c2">
   <xsd:schema xmlns:xsd="http://www.w3.org/2001/XMLSchema" xmlns:xs="http://www.w3.org/2001/XMLSchema" xmlns:p="http://schemas.microsoft.com/office/2006/metadata/properties" xmlns:ns2="71af3243-3dd4-4a8d-8c0d-dd76da1f02a5" xmlns:ns3="16c05727-aa75-4e4a-9b5f-8a80a1165891" targetNamespace="http://schemas.microsoft.com/office/2006/metadata/properties" ma:root="true" ma:fieldsID="14b8f0def80e6d70ce3def20c90759ae" ns2:_="" ns3:_="">
     <xsd:import namespace="71af3243-3dd4-4a8d-8c0d-dd76da1f02a5"/>
@@ -14014,15 +14300,6 @@
 </ct:contentTypeSchema>
 </file>
 
-<file path=customXml/item2.xml><?xml version="1.0" encoding="utf-8"?>
-<p:properties xmlns:p="http://schemas.microsoft.com/office/2006/metadata/properties" xmlns:xsi="http://www.w3.org/2001/XMLSchema-instance" xmlns:pc="http://schemas.microsoft.com/office/infopath/2007/PartnerControls">
-  <documentManagement>
-    <Status xmlns="71af3243-3dd4-4a8d-8c0d-dd76da1f02a5">Not started</Status>
-    <MediaServiceKeyPoints xmlns="71af3243-3dd4-4a8d-8c0d-dd76da1f02a5" xsi:nil="true"/>
-  </documentManagement>
-</p:properties>
-</file>
-
 <file path=customXml/item3.xml><?xml version="1.0" encoding="utf-8"?>
 <?mso-contentType ?>
 <FormTemplates xmlns="http://schemas.microsoft.com/sharepoint/v3/contenttype/forms">
@@ -14033,6 +14310,16 @@
 </file>
 
 <file path=customXml/itemProps1.xml><?xml version="1.0" encoding="utf-8"?>
+<ds:datastoreItem xmlns:ds="http://schemas.openxmlformats.org/officeDocument/2006/customXml" ds:itemID="{4DEA9014-ED64-4558-B1E1-D03F0EE32BEB}">
+  <ds:schemaRefs>
+    <ds:schemaRef ds:uri="http://schemas.microsoft.com/office/2006/metadata/properties"/>
+    <ds:schemaRef ds:uri="http://schemas.microsoft.com/office/infopath/2007/PartnerControls"/>
+    <ds:schemaRef ds:uri="71af3243-3dd4-4a8d-8c0d-dd76da1f02a5"/>
+  </ds:schemaRefs>
+</ds:datastoreItem>
+</file>
+
+<file path=customXml/itemProps2.xml><?xml version="1.0" encoding="utf-8"?>
 <ds:datastoreItem xmlns:ds="http://schemas.openxmlformats.org/officeDocument/2006/customXml" ds:itemID="{B19EB750-A6DA-4BE8-B87B-FC499FE73360}">
   <ds:schemaRefs>
     <ds:schemaRef ds:uri="http://schemas.microsoft.com/office/2006/metadata/contentType"/>
@@ -14051,16 +14338,6 @@
 </ds:datastoreItem>
 </file>
 
-<file path=customXml/itemProps2.xml><?xml version="1.0" encoding="utf-8"?>
-<ds:datastoreItem xmlns:ds="http://schemas.openxmlformats.org/officeDocument/2006/customXml" ds:itemID="{4DEA9014-ED64-4558-B1E1-D03F0EE32BEB}">
-  <ds:schemaRefs>
-    <ds:schemaRef ds:uri="http://schemas.microsoft.com/office/2006/metadata/properties"/>
-    <ds:schemaRef ds:uri="http://schemas.microsoft.com/office/infopath/2007/PartnerControls"/>
-    <ds:schemaRef ds:uri="71af3243-3dd4-4a8d-8c0d-dd76da1f02a5"/>
-  </ds:schemaRefs>
-</ds:datastoreItem>
-</file>
-
 <file path=customXml/itemProps3.xml><?xml version="1.0" encoding="utf-8"?>
 <ds:datastoreItem xmlns:ds="http://schemas.openxmlformats.org/officeDocument/2006/customXml" ds:itemID="{05D99ABA-76CE-4A8E-B5F0-C051B96628DE}">
   <ds:schemaRefs>
